--- a/4 - Multiple Linear Regression/Feature Scaling.pptx
+++ b/4 - Multiple Linear Regression/Feature Scaling.pptx
@@ -333,7 +333,7 @@
           <a:p>
             <a:fld id="{F666E1FD-E7A0-497B-BBC0-740BAAC97C64}" type="datetimeFigureOut">
               <a:rPr lang="en-PH" smtClean="0"/>
-              <a:t>17/09/2023</a:t>
+              <a:t>7/11/24</a:t>
             </a:fld>
             <a:endParaRPr lang="en-PH"/>
           </a:p>
@@ -2092,9 +2092,9 @@
           <a:bodyPr/>
           <a:lstStyle/>
           <a:p>
-            <a:fld id="{0CCF0B81-6BD8-4C65-9459-815598C5F1F4}" type="datetimeFigureOut">
+            <a:fld id="{34F5E7CB-988C-3C41-ACF2-E56AFA6CBC24}" type="datetime1">
               <a:rPr lang="en-PH" smtClean="0"/>
-              <a:t>17/09/2023</a:t>
+              <a:t>7/11/24</a:t>
             </a:fld>
             <a:endParaRPr lang="en-PH"/>
           </a:p>
@@ -2121,7 +2121,10 @@
           <a:bodyPr/>
           <a:lstStyle/>
           <a:p>
-            <a:endParaRPr lang="en-PH"/>
+            <a:r>
+              <a:rPr lang="en-PH"/>
+              <a:t>CCMACLRL</a:t>
+            </a:r>
           </a:p>
         </p:txBody>
       </p:sp>
@@ -2292,9 +2295,9 @@
           <a:bodyPr/>
           <a:lstStyle/>
           <a:p>
-            <a:fld id="{0CCF0B81-6BD8-4C65-9459-815598C5F1F4}" type="datetimeFigureOut">
+            <a:fld id="{62829A15-BAAA-9C49-89A8-09ECB510EABA}" type="datetime1">
               <a:rPr lang="en-PH" smtClean="0"/>
-              <a:t>17/09/2023</a:t>
+              <a:t>7/11/24</a:t>
             </a:fld>
             <a:endParaRPr lang="en-PH"/>
           </a:p>
@@ -2321,7 +2324,10 @@
           <a:bodyPr/>
           <a:lstStyle/>
           <a:p>
-            <a:endParaRPr lang="en-PH"/>
+            <a:r>
+              <a:rPr lang="en-PH"/>
+              <a:t>CCMACLRL</a:t>
+            </a:r>
           </a:p>
         </p:txBody>
       </p:sp>
@@ -2502,9 +2508,9 @@
           <a:bodyPr/>
           <a:lstStyle/>
           <a:p>
-            <a:fld id="{0CCF0B81-6BD8-4C65-9459-815598C5F1F4}" type="datetimeFigureOut">
+            <a:fld id="{12284186-B559-A149-8F81-8779905EEECF}" type="datetime1">
               <a:rPr lang="en-PH" smtClean="0"/>
-              <a:t>17/09/2023</a:t>
+              <a:t>7/11/24</a:t>
             </a:fld>
             <a:endParaRPr lang="en-PH"/>
           </a:p>
@@ -2531,7 +2537,10 @@
           <a:bodyPr/>
           <a:lstStyle/>
           <a:p>
-            <a:endParaRPr lang="en-PH"/>
+            <a:r>
+              <a:rPr lang="en-PH"/>
+              <a:t>CCMACLRL</a:t>
+            </a:r>
           </a:p>
         </p:txBody>
       </p:sp>
@@ -2702,9 +2711,9 @@
           <a:bodyPr/>
           <a:lstStyle/>
           <a:p>
-            <a:fld id="{0CCF0B81-6BD8-4C65-9459-815598C5F1F4}" type="datetimeFigureOut">
+            <a:fld id="{D0B16569-3433-C741-971E-7D0AA62CE6C1}" type="datetime1">
               <a:rPr lang="en-PH" smtClean="0"/>
-              <a:t>17/09/2023</a:t>
+              <a:t>7/11/24</a:t>
             </a:fld>
             <a:endParaRPr lang="en-PH"/>
           </a:p>
@@ -2731,7 +2740,10 @@
           <a:bodyPr/>
           <a:lstStyle/>
           <a:p>
-            <a:endParaRPr lang="en-PH"/>
+            <a:r>
+              <a:rPr lang="en-PH"/>
+              <a:t>CCMACLRL</a:t>
+            </a:r>
           </a:p>
         </p:txBody>
       </p:sp>
@@ -2978,9 +2990,9 @@
           <a:bodyPr/>
           <a:lstStyle/>
           <a:p>
-            <a:fld id="{0CCF0B81-6BD8-4C65-9459-815598C5F1F4}" type="datetimeFigureOut">
+            <a:fld id="{52D611DD-5A4D-BD4D-B433-D9F244FCFCC9}" type="datetime1">
               <a:rPr lang="en-PH" smtClean="0"/>
-              <a:t>17/09/2023</a:t>
+              <a:t>7/11/24</a:t>
             </a:fld>
             <a:endParaRPr lang="en-PH"/>
           </a:p>
@@ -3007,7 +3019,10 @@
           <a:bodyPr/>
           <a:lstStyle/>
           <a:p>
-            <a:endParaRPr lang="en-PH"/>
+            <a:r>
+              <a:rPr lang="en-PH"/>
+              <a:t>CCMACLRL</a:t>
+            </a:r>
           </a:p>
         </p:txBody>
       </p:sp>
@@ -3246,9 +3261,9 @@
           <a:bodyPr/>
           <a:lstStyle/>
           <a:p>
-            <a:fld id="{0CCF0B81-6BD8-4C65-9459-815598C5F1F4}" type="datetimeFigureOut">
+            <a:fld id="{47B6F01C-E5BA-6442-81C3-70ECC0A5C2F4}" type="datetime1">
               <a:rPr lang="en-PH" smtClean="0"/>
-              <a:t>17/09/2023</a:t>
+              <a:t>7/11/24</a:t>
             </a:fld>
             <a:endParaRPr lang="en-PH"/>
           </a:p>
@@ -3275,7 +3290,10 @@
           <a:bodyPr/>
           <a:lstStyle/>
           <a:p>
-            <a:endParaRPr lang="en-PH"/>
+            <a:r>
+              <a:rPr lang="en-PH"/>
+              <a:t>CCMACLRL</a:t>
+            </a:r>
           </a:p>
         </p:txBody>
       </p:sp>
@@ -3661,9 +3679,9 @@
           <a:bodyPr/>
           <a:lstStyle/>
           <a:p>
-            <a:fld id="{0CCF0B81-6BD8-4C65-9459-815598C5F1F4}" type="datetimeFigureOut">
+            <a:fld id="{A03B67E1-369A-634D-8AB9-894F31166C62}" type="datetime1">
               <a:rPr lang="en-PH" smtClean="0"/>
-              <a:t>17/09/2023</a:t>
+              <a:t>7/11/24</a:t>
             </a:fld>
             <a:endParaRPr lang="en-PH"/>
           </a:p>
@@ -3690,7 +3708,10 @@
           <a:bodyPr/>
           <a:lstStyle/>
           <a:p>
-            <a:endParaRPr lang="en-PH"/>
+            <a:r>
+              <a:rPr lang="en-PH"/>
+              <a:t>CCMACLRL</a:t>
+            </a:r>
           </a:p>
         </p:txBody>
       </p:sp>
@@ -3803,9 +3824,9 @@
           <a:bodyPr/>
           <a:lstStyle/>
           <a:p>
-            <a:fld id="{0CCF0B81-6BD8-4C65-9459-815598C5F1F4}" type="datetimeFigureOut">
+            <a:fld id="{2E15CA40-0EF7-B042-8613-00901219342A}" type="datetime1">
               <a:rPr lang="en-PH" smtClean="0"/>
-              <a:t>17/09/2023</a:t>
+              <a:t>7/11/24</a:t>
             </a:fld>
             <a:endParaRPr lang="en-PH"/>
           </a:p>
@@ -3832,7 +3853,10 @@
           <a:bodyPr/>
           <a:lstStyle/>
           <a:p>
-            <a:endParaRPr lang="en-PH"/>
+            <a:r>
+              <a:rPr lang="en-PH"/>
+              <a:t>CCMACLRL</a:t>
+            </a:r>
           </a:p>
         </p:txBody>
       </p:sp>
@@ -3916,9 +3940,9 @@
           <a:bodyPr/>
           <a:lstStyle/>
           <a:p>
-            <a:fld id="{0CCF0B81-6BD8-4C65-9459-815598C5F1F4}" type="datetimeFigureOut">
+            <a:fld id="{EE680785-7335-DA45-BF22-EEDA3B52EE42}" type="datetime1">
               <a:rPr lang="en-PH" smtClean="0"/>
-              <a:t>17/09/2023</a:t>
+              <a:t>7/11/24</a:t>
             </a:fld>
             <a:endParaRPr lang="en-PH"/>
           </a:p>
@@ -3945,7 +3969,10 @@
           <a:bodyPr/>
           <a:lstStyle/>
           <a:p>
-            <a:endParaRPr lang="en-PH"/>
+            <a:r>
+              <a:rPr lang="en-PH"/>
+              <a:t>CCMACLRL</a:t>
+            </a:r>
           </a:p>
         </p:txBody>
       </p:sp>
@@ -4229,9 +4256,9 @@
           <a:bodyPr/>
           <a:lstStyle/>
           <a:p>
-            <a:fld id="{0CCF0B81-6BD8-4C65-9459-815598C5F1F4}" type="datetimeFigureOut">
+            <a:fld id="{950BDEFF-32AC-3C4F-8BB7-48400242FFBD}" type="datetime1">
               <a:rPr lang="en-PH" smtClean="0"/>
-              <a:t>17/09/2023</a:t>
+              <a:t>7/11/24</a:t>
             </a:fld>
             <a:endParaRPr lang="en-PH"/>
           </a:p>
@@ -4258,7 +4285,10 @@
           <a:bodyPr/>
           <a:lstStyle/>
           <a:p>
-            <a:endParaRPr lang="en-PH"/>
+            <a:r>
+              <a:rPr lang="en-PH"/>
+              <a:t>CCMACLRL</a:t>
+            </a:r>
           </a:p>
         </p:txBody>
       </p:sp>
@@ -4518,9 +4548,9 @@
           <a:bodyPr/>
           <a:lstStyle/>
           <a:p>
-            <a:fld id="{0CCF0B81-6BD8-4C65-9459-815598C5F1F4}" type="datetimeFigureOut">
+            <a:fld id="{C0846675-CB1C-464A-8284-80FBB07C4EE5}" type="datetime1">
               <a:rPr lang="en-PH" smtClean="0"/>
-              <a:t>17/09/2023</a:t>
+              <a:t>7/11/24</a:t>
             </a:fld>
             <a:endParaRPr lang="en-PH"/>
           </a:p>
@@ -4547,7 +4577,10 @@
           <a:bodyPr/>
           <a:lstStyle/>
           <a:p>
-            <a:endParaRPr lang="en-PH"/>
+            <a:r>
+              <a:rPr lang="en-PH"/>
+              <a:t>CCMACLRL</a:t>
+            </a:r>
           </a:p>
         </p:txBody>
       </p:sp>
@@ -4761,9 +4794,9 @@
             </a:lvl1pPr>
           </a:lstStyle>
           <a:p>
-            <a:fld id="{0CCF0B81-6BD8-4C65-9459-815598C5F1F4}" type="datetimeFigureOut">
+            <a:fld id="{C9717BFA-23FD-9046-9E0A-4AFAB165D7B9}" type="datetime1">
               <a:rPr lang="en-PH" smtClean="0"/>
-              <a:t>17/09/2023</a:t>
+              <a:t>7/11/24</a:t>
             </a:fld>
             <a:endParaRPr lang="en-PH"/>
           </a:p>
@@ -4808,7 +4841,10 @@
             </a:lvl1pPr>
           </a:lstStyle>
           <a:p>
-            <a:endParaRPr lang="en-PH"/>
+            <a:r>
+              <a:rPr lang="en-PH"/>
+              <a:t>CCMACLRL</a:t>
+            </a:r>
           </a:p>
         </p:txBody>
       </p:sp>
@@ -4880,6 +4916,7 @@
     <p:sldLayoutId id="2147483658" r:id="rId10"/>
     <p:sldLayoutId id="2147483659" r:id="rId11"/>
   </p:sldLayoutIdLst>
+  <p:hf sldNum="0" hdr="0" dt="0"/>
   <p:txStyles>
     <p:titleStyle>
       <a:lvl1pPr algn="l" defTabSz="914400" rtl="0" eaLnBrk="1" latinLnBrk="0" hangingPunct="1">
@@ -5316,8 +5353,8 @@
           <a:p>
             <a:pPr lvl="1" algn="r"/>
             <a:r>
-              <a:rPr lang="en-US" sz="1200" b="1" dirty="0"/>
-              <a:t>CCDATS1L</a:t>
+              <a:rPr lang="en-US" sz="1200" b="1"/>
+              <a:t>CCMACLRL</a:t>
             </a:r>
             <a:endParaRPr lang="en-PH" sz="1200" b="1" dirty="0"/>
           </a:p>
@@ -5511,8 +5548,8 @@
           <a:p>
             <a:pPr lvl="1" algn="r"/>
             <a:r>
-              <a:rPr lang="en-US" sz="1200" b="1" dirty="0"/>
-              <a:t>CCINSYSL</a:t>
+              <a:rPr lang="en-US" sz="1200" b="1"/>
+              <a:t>CCMACLRL</a:t>
             </a:r>
             <a:endParaRPr lang="en-PH" sz="1200" b="1" dirty="0"/>
           </a:p>
@@ -5841,8 +5878,8 @@
           <a:p>
             <a:pPr lvl="1" algn="r"/>
             <a:r>
-              <a:rPr lang="en-US" sz="1200" b="1" dirty="0"/>
-              <a:t>CCINSYSL</a:t>
+              <a:rPr lang="en-US" sz="1200" b="1"/>
+              <a:t>CCMACLRL</a:t>
             </a:r>
             <a:endParaRPr lang="en-PH" sz="1200" b="1" dirty="0"/>
           </a:p>
@@ -6301,8 +6338,8 @@
           <a:p>
             <a:pPr lvl="1" algn="r"/>
             <a:r>
-              <a:rPr lang="en-US" sz="1200" b="1" dirty="0"/>
-              <a:t>CCINSYSL</a:t>
+              <a:rPr lang="en-US" sz="1200" b="1"/>
+              <a:t>CCMACLRL</a:t>
             </a:r>
             <a:endParaRPr lang="en-PH" sz="1200" b="1" dirty="0"/>
           </a:p>
@@ -6889,8 +6926,8 @@
           <a:p>
             <a:pPr lvl="1" algn="r"/>
             <a:r>
-              <a:rPr lang="en-US" sz="1200" b="1" dirty="0"/>
-              <a:t>CCINSYSL</a:t>
+              <a:rPr lang="en-US" sz="1200" b="1"/>
+              <a:t>CCMACLRL</a:t>
             </a:r>
             <a:endParaRPr lang="en-PH" sz="1200" b="1" dirty="0"/>
           </a:p>
@@ -7305,8 +7342,8 @@
           <a:p>
             <a:pPr lvl="1" algn="r"/>
             <a:r>
-              <a:rPr lang="en-US" sz="1200" b="1" dirty="0"/>
-              <a:t>CCINSYSL</a:t>
+              <a:rPr lang="en-US" sz="1200" b="1"/>
+              <a:t>CCMACLRL</a:t>
             </a:r>
             <a:endParaRPr lang="en-PH" sz="1200" b="1" dirty="0"/>
           </a:p>
@@ -7670,8 +7707,8 @@
           <a:p>
             <a:pPr lvl="1" algn="r"/>
             <a:r>
-              <a:rPr lang="en-US" sz="1200" b="1" dirty="0"/>
-              <a:t>CCINSYSL</a:t>
+              <a:rPr lang="en-US" sz="1200" b="1"/>
+              <a:t>CCMACLRL</a:t>
             </a:r>
             <a:endParaRPr lang="en-PH" sz="1200" b="1" dirty="0"/>
           </a:p>
@@ -7914,7 +7951,7 @@
             <a:pPr lvl="1" algn="r"/>
             <a:r>
               <a:rPr lang="en-US" sz="1200" b="1"/>
-              <a:t>CCINSYSL</a:t>
+              <a:t>CCMACLRL</a:t>
             </a:r>
             <a:endParaRPr lang="en-PH" sz="1200" b="1" dirty="0"/>
           </a:p>
@@ -8174,8 +8211,8 @@
           <a:p>
             <a:pPr lvl="1" algn="r"/>
             <a:r>
-              <a:rPr lang="en-US" sz="1200" b="1" dirty="0"/>
-              <a:t>CCINSYSL</a:t>
+              <a:rPr lang="en-US" sz="1200" b="1"/>
+              <a:t>CCMACLRL</a:t>
             </a:r>
             <a:endParaRPr lang="en-PH" sz="1200" b="1" dirty="0"/>
           </a:p>
@@ -8518,8 +8555,8 @@
           <a:p>
             <a:pPr lvl="1" algn="r"/>
             <a:r>
-              <a:rPr lang="en-US" sz="1200" b="1" dirty="0"/>
-              <a:t>CCINSYSL</a:t>
+              <a:rPr lang="en-US" sz="1200" b="1"/>
+              <a:t>CCMACLRL</a:t>
             </a:r>
             <a:endParaRPr lang="en-PH" sz="1200" b="1" dirty="0"/>
           </a:p>
@@ -8839,8 +8876,8 @@
           <a:p>
             <a:pPr lvl="1" algn="r"/>
             <a:r>
-              <a:rPr lang="en-US" sz="1200" b="1" dirty="0"/>
-              <a:t>CCINSYSL</a:t>
+              <a:rPr lang="en-US" sz="1200" b="1"/>
+              <a:t>CCMACLRL</a:t>
             </a:r>
             <a:endParaRPr lang="en-PH" sz="1200" b="1" dirty="0"/>
           </a:p>
@@ -9314,8 +9351,8 @@
           <a:p>
             <a:pPr lvl="1" algn="r"/>
             <a:r>
-              <a:rPr lang="en-US" sz="1200" b="1" dirty="0"/>
-              <a:t>CCINSYSL</a:t>
+              <a:rPr lang="en-US" sz="1200" b="1"/>
+              <a:t>CCMACLRL</a:t>
             </a:r>
             <a:endParaRPr lang="en-PH" sz="1200" b="1" dirty="0"/>
           </a:p>
@@ -9650,8 +9687,8 @@
           <a:p>
             <a:pPr lvl="1" algn="r"/>
             <a:r>
-              <a:rPr lang="en-US" sz="1200" b="1" dirty="0"/>
-              <a:t>CCINSYSL</a:t>
+              <a:rPr lang="en-US" sz="1200" b="1"/>
+              <a:t>CCMACLRL</a:t>
             </a:r>
             <a:endParaRPr lang="en-PH" sz="1200" b="1" dirty="0"/>
           </a:p>
@@ -9925,8 +9962,8 @@
           <a:p>
             <a:pPr lvl="1" algn="r"/>
             <a:r>
-              <a:rPr lang="en-US" sz="1200" b="1" dirty="0"/>
-              <a:t>CCINSYSL</a:t>
+              <a:rPr lang="en-US" sz="1200" b="1"/>
+              <a:t>CCMACLRL</a:t>
             </a:r>
             <a:endParaRPr lang="en-PH" sz="1200" b="1" dirty="0"/>
           </a:p>
@@ -10237,8 +10274,8 @@
           <a:p>
             <a:pPr lvl="1" algn="r"/>
             <a:r>
-              <a:rPr lang="en-US" sz="1200" b="1" dirty="0"/>
-              <a:t>CCINSYSL</a:t>
+              <a:rPr lang="en-US" sz="1200" b="1"/>
+              <a:t>CCMACLRL</a:t>
             </a:r>
             <a:endParaRPr lang="en-PH" sz="1200" b="1" dirty="0"/>
           </a:p>
@@ -11077,8 +11114,8 @@
           <a:p>
             <a:pPr lvl="1" algn="r"/>
             <a:r>
-              <a:rPr lang="en-US" sz="1200" b="1" dirty="0"/>
-              <a:t>CCINSYSL</a:t>
+              <a:rPr lang="en-US" sz="1200" b="1"/>
+              <a:t>CCMACLRL</a:t>
             </a:r>
             <a:endParaRPr lang="en-PH" sz="1200" b="1" dirty="0"/>
           </a:p>
@@ -12333,21 +12370,6 @@
 </file>
 
 <file path=customXml/item1.xml><?xml version="1.0" encoding="utf-8"?>
-<?mso-contentType ?>
-<FormTemplates xmlns="http://schemas.microsoft.com/sharepoint/v3/contenttype/forms">
-  <Display>DocumentLibraryForm</Display>
-  <Edit>DocumentLibraryForm</Edit>
-  <New>DocumentLibraryForm</New>
-</FormTemplates>
-</file>
-
-<file path=customXml/item2.xml><?xml version="1.0" encoding="utf-8"?>
-<p:properties xmlns:p="http://schemas.microsoft.com/office/2006/metadata/properties" xmlns:xsi="http://www.w3.org/2001/XMLSchema-instance" xmlns:pc="http://schemas.microsoft.com/office/infopath/2007/PartnerControls">
-  <documentManagement/>
-</p:properties>
-</file>
-
-<file path=customXml/item3.xml><?xml version="1.0" encoding="utf-8"?>
 <ct:contentTypeSchema xmlns:ct="http://schemas.microsoft.com/office/2006/metadata/contentType" xmlns:ma="http://schemas.microsoft.com/office/2006/metadata/properties/metaAttributes" ct:_="" ma:_="" ma:contentTypeName="Document" ma:contentTypeID="0x0101007188BDCA587B344BBA6CB1A93FAE6998" ma:contentTypeVersion="2" ma:contentTypeDescription="Create a new document." ma:contentTypeScope="" ma:versionID="7a8e4b6720badb2566a0cfeddfaf2856">
   <xsd:schema xmlns:xsd="http://www.w3.org/2001/XMLSchema" xmlns:xs="http://www.w3.org/2001/XMLSchema" xmlns:p="http://schemas.microsoft.com/office/2006/metadata/properties" xmlns:ns2="ba111d12-426d-4af0-bcb6-460e36974645" targetNamespace="http://schemas.microsoft.com/office/2006/metadata/properties" ma:root="true" ma:fieldsID="989b05398519136c88ba0a8d54e3c3da" ns2:_="">
     <xsd:import namespace="ba111d12-426d-4af0-bcb6-460e36974645"/>
@@ -12479,24 +12501,22 @@
 </ct:contentTypeSchema>
 </file>
 
-<file path=customXml/itemProps1.xml><?xml version="1.0" encoding="utf-8"?>
-<ds:datastoreItem xmlns:ds="http://schemas.openxmlformats.org/officeDocument/2006/customXml" ds:itemID="{651370AF-26B9-4AFA-BA9D-5D4A7E1A6722}">
-  <ds:schemaRefs>
-    <ds:schemaRef ds:uri="http://schemas.microsoft.com/sharepoint/v3/contenttype/forms"/>
-  </ds:schemaRefs>
-</ds:datastoreItem>
+<file path=customXml/item2.xml><?xml version="1.0" encoding="utf-8"?>
+<p:properties xmlns:p="http://schemas.microsoft.com/office/2006/metadata/properties" xmlns:xsi="http://www.w3.org/2001/XMLSchema-instance" xmlns:pc="http://schemas.microsoft.com/office/infopath/2007/PartnerControls">
+  <documentManagement/>
+</p:properties>
 </file>
 
-<file path=customXml/itemProps2.xml><?xml version="1.0" encoding="utf-8"?>
-<ds:datastoreItem xmlns:ds="http://schemas.openxmlformats.org/officeDocument/2006/customXml" ds:itemID="{EA3362E2-FA54-4262-AE94-2FA98FF8142D}">
-  <ds:schemaRefs>
-    <ds:schemaRef ds:uri="http://schemas.microsoft.com/office/2006/metadata/properties"/>
-    <ds:schemaRef ds:uri="http://schemas.microsoft.com/office/infopath/2007/PartnerControls"/>
-  </ds:schemaRefs>
-</ds:datastoreItem>
+<file path=customXml/item3.xml><?xml version="1.0" encoding="utf-8"?>
+<?mso-contentType ?>
+<FormTemplates xmlns="http://schemas.microsoft.com/sharepoint/v3/contenttype/forms">
+  <Display>DocumentLibraryForm</Display>
+  <Edit>DocumentLibraryForm</Edit>
+  <New>DocumentLibraryForm</New>
+</FormTemplates>
 </file>
 
-<file path=customXml/itemProps3.xml><?xml version="1.0" encoding="utf-8"?>
+<file path=customXml/itemProps1.xml><?xml version="1.0" encoding="utf-8"?>
 <ds:datastoreItem xmlns:ds="http://schemas.openxmlformats.org/officeDocument/2006/customXml" ds:itemID="{3D61E20B-708A-4719-8C02-DA91A478A7AB}">
   <ds:schemaRefs>
     <ds:schemaRef ds:uri="http://schemas.microsoft.com/office/2006/metadata/contentType"/>
@@ -12512,4 +12532,21 @@
     <ds:schemaRef ds:uri="http://schemas.microsoft.com/internal/obd"/>
   </ds:schemaRefs>
 </ds:datastoreItem>
+</file>
+
+<file path=customXml/itemProps2.xml><?xml version="1.0" encoding="utf-8"?>
+<ds:datastoreItem xmlns:ds="http://schemas.openxmlformats.org/officeDocument/2006/customXml" ds:itemID="{EA3362E2-FA54-4262-AE94-2FA98FF8142D}">
+  <ds:schemaRefs>
+    <ds:schemaRef ds:uri="http://schemas.microsoft.com/office/2006/metadata/properties"/>
+    <ds:schemaRef ds:uri="http://schemas.microsoft.com/office/infopath/2007/PartnerControls"/>
+  </ds:schemaRefs>
+</ds:datastoreItem>
+</file>
+
+<file path=customXml/itemProps3.xml><?xml version="1.0" encoding="utf-8"?>
+<ds:datastoreItem xmlns:ds="http://schemas.openxmlformats.org/officeDocument/2006/customXml" ds:itemID="{651370AF-26B9-4AFA-BA9D-5D4A7E1A6722}">
+  <ds:schemaRefs>
+    <ds:schemaRef ds:uri="http://schemas.microsoft.com/sharepoint/v3/contenttype/forms"/>
+  </ds:schemaRefs>
+</ds:datastoreItem>
 </file>